--- a/2_ExperimentalSetup/Figures/CMS.pptx
+++ b/2_ExperimentalSetup/Figures/CMS.pptx
@@ -288,7 +288,7 @@
           <a:p>
             <a:fld id="{5B5ED0F3-A1CF-B043-87DF-AB144E0DAD3F}" type="datetimeFigureOut">
               <a:rPr lang="en-US" smtClean="0"/>
-              <a:t>25/04/17</a:t>
+              <a:t>27/04/17</a:t>
             </a:fld>
             <a:endParaRPr lang="en-GB"/>
           </a:p>
@@ -458,7 +458,7 @@
           <a:p>
             <a:fld id="{5B5ED0F3-A1CF-B043-87DF-AB144E0DAD3F}" type="datetimeFigureOut">
               <a:rPr lang="en-US" smtClean="0"/>
-              <a:t>25/04/17</a:t>
+              <a:t>27/04/17</a:t>
             </a:fld>
             <a:endParaRPr lang="en-GB"/>
           </a:p>
@@ -638,7 +638,7 @@
           <a:p>
             <a:fld id="{5B5ED0F3-A1CF-B043-87DF-AB144E0DAD3F}" type="datetimeFigureOut">
               <a:rPr lang="en-US" smtClean="0"/>
-              <a:t>25/04/17</a:t>
+              <a:t>27/04/17</a:t>
             </a:fld>
             <a:endParaRPr lang="en-GB"/>
           </a:p>
@@ -808,7 +808,7 @@
           <a:p>
             <a:fld id="{5B5ED0F3-A1CF-B043-87DF-AB144E0DAD3F}" type="datetimeFigureOut">
               <a:rPr lang="en-US" smtClean="0"/>
-              <a:t>25/04/17</a:t>
+              <a:t>27/04/17</a:t>
             </a:fld>
             <a:endParaRPr lang="en-GB"/>
           </a:p>
@@ -1054,7 +1054,7 @@
           <a:p>
             <a:fld id="{5B5ED0F3-A1CF-B043-87DF-AB144E0DAD3F}" type="datetimeFigureOut">
               <a:rPr lang="en-US" smtClean="0"/>
-              <a:t>25/04/17</a:t>
+              <a:t>27/04/17</a:t>
             </a:fld>
             <a:endParaRPr lang="en-GB"/>
           </a:p>
@@ -1342,7 +1342,7 @@
           <a:p>
             <a:fld id="{5B5ED0F3-A1CF-B043-87DF-AB144E0DAD3F}" type="datetimeFigureOut">
               <a:rPr lang="en-US" smtClean="0"/>
-              <a:t>25/04/17</a:t>
+              <a:t>27/04/17</a:t>
             </a:fld>
             <a:endParaRPr lang="en-GB"/>
           </a:p>
@@ -1764,7 +1764,7 @@
           <a:p>
             <a:fld id="{5B5ED0F3-A1CF-B043-87DF-AB144E0DAD3F}" type="datetimeFigureOut">
               <a:rPr lang="en-US" smtClean="0"/>
-              <a:t>25/04/17</a:t>
+              <a:t>27/04/17</a:t>
             </a:fld>
             <a:endParaRPr lang="en-GB"/>
           </a:p>
@@ -1882,7 +1882,7 @@
           <a:p>
             <a:fld id="{5B5ED0F3-A1CF-B043-87DF-AB144E0DAD3F}" type="datetimeFigureOut">
               <a:rPr lang="en-US" smtClean="0"/>
-              <a:t>25/04/17</a:t>
+              <a:t>27/04/17</a:t>
             </a:fld>
             <a:endParaRPr lang="en-GB"/>
           </a:p>
@@ -1977,7 +1977,7 @@
           <a:p>
             <a:fld id="{5B5ED0F3-A1CF-B043-87DF-AB144E0DAD3F}" type="datetimeFigureOut">
               <a:rPr lang="en-US" smtClean="0"/>
-              <a:t>25/04/17</a:t>
+              <a:t>27/04/17</a:t>
             </a:fld>
             <a:endParaRPr lang="en-GB"/>
           </a:p>
@@ -2254,7 +2254,7 @@
           <a:p>
             <a:fld id="{5B5ED0F3-A1CF-B043-87DF-AB144E0DAD3F}" type="datetimeFigureOut">
               <a:rPr lang="en-US" smtClean="0"/>
-              <a:t>25/04/17</a:t>
+              <a:t>27/04/17</a:t>
             </a:fld>
             <a:endParaRPr lang="en-GB"/>
           </a:p>
@@ -2507,7 +2507,7 @@
           <a:p>
             <a:fld id="{5B5ED0F3-A1CF-B043-87DF-AB144E0DAD3F}" type="datetimeFigureOut">
               <a:rPr lang="en-US" smtClean="0"/>
-              <a:t>25/04/17</a:t>
+              <a:t>27/04/17</a:t>
             </a:fld>
             <a:endParaRPr lang="en-GB"/>
           </a:p>
@@ -2720,7 +2720,7 @@
           <a:p>
             <a:fld id="{5B5ED0F3-A1CF-B043-87DF-AB144E0DAD3F}" type="datetimeFigureOut">
               <a:rPr lang="en-US" smtClean="0"/>
-              <a:t>25/04/17</a:t>
+              <a:t>27/04/17</a:t>
             </a:fld>
             <a:endParaRPr lang="en-GB"/>
           </a:p>
@@ -3327,7 +3327,7 @@
         </p:nvSpPr>
         <p:spPr>
           <a:xfrm>
-            <a:off x="3786372" y="945121"/>
+            <a:off x="3604946" y="1009911"/>
             <a:ext cx="795260" cy="646331"/>
           </a:xfrm>
           <a:prstGeom prst="rect">
@@ -3836,7 +3836,6 @@
               <a:rPr lang="en-GB" dirty="0" smtClean="0"/>
               <a:t> = 1)</a:t>
             </a:r>
-            <a:endParaRPr lang="en-GB" dirty="0" smtClean="0"/>
           </a:p>
         </p:txBody>
       </p:sp>
@@ -3900,6 +3899,78 @@
           </a:p>
         </p:txBody>
       </p:sp>
+      <p:cxnSp>
+        <p:nvCxnSpPr>
+          <p:cNvPr id="3" name="Straight Arrow Connector 2"/>
+          <p:cNvCxnSpPr/>
+          <p:nvPr/>
+        </p:nvCxnSpPr>
+        <p:spPr>
+          <a:xfrm>
+            <a:off x="4802991" y="2258599"/>
+            <a:ext cx="248791" cy="0"/>
+          </a:xfrm>
+          <a:prstGeom prst="straightConnector1">
+            <a:avLst/>
+          </a:prstGeom>
+          <a:ln w="12700" cmpd="sng">
+            <a:solidFill>
+              <a:srgbClr val="0D0D0D"/>
+            </a:solidFill>
+            <a:tailEnd type="arrow"/>
+          </a:ln>
+        </p:spPr>
+        <p:style>
+          <a:lnRef idx="2">
+            <a:schemeClr val="accent1"/>
+          </a:lnRef>
+          <a:fillRef idx="0">
+            <a:schemeClr val="accent1"/>
+          </a:fillRef>
+          <a:effectRef idx="1">
+            <a:schemeClr val="accent1"/>
+          </a:effectRef>
+          <a:fontRef idx="minor">
+            <a:schemeClr val="tx1"/>
+          </a:fontRef>
+        </p:style>
+      </p:cxnSp>
+      <p:cxnSp>
+        <p:nvCxnSpPr>
+          <p:cNvPr id="27" name="Straight Arrow Connector 26"/>
+          <p:cNvCxnSpPr/>
+          <p:nvPr/>
+        </p:nvCxnSpPr>
+        <p:spPr>
+          <a:xfrm>
+            <a:off x="3646532" y="2281419"/>
+            <a:ext cx="248791" cy="0"/>
+          </a:xfrm>
+          <a:prstGeom prst="straightConnector1">
+            <a:avLst/>
+          </a:prstGeom>
+          <a:ln w="12700" cmpd="sng">
+            <a:solidFill>
+              <a:srgbClr val="0D0D0D"/>
+            </a:solidFill>
+            <a:tailEnd type="arrow"/>
+          </a:ln>
+        </p:spPr>
+        <p:style>
+          <a:lnRef idx="2">
+            <a:schemeClr val="accent1"/>
+          </a:lnRef>
+          <a:fillRef idx="0">
+            <a:schemeClr val="accent1"/>
+          </a:fillRef>
+          <a:effectRef idx="1">
+            <a:schemeClr val="accent1"/>
+          </a:effectRef>
+          <a:fontRef idx="minor">
+            <a:schemeClr val="tx1"/>
+          </a:fontRef>
+        </p:style>
+      </p:cxnSp>
     </p:spTree>
     <p:extLst>
       <p:ext uri="{BB962C8B-B14F-4D97-AF65-F5344CB8AC3E}">
